--- a/function/素材/BL-06の概念図.pptx
+++ b/function/素材/BL-06の概念図.pptx
@@ -194,7 +194,7 @@
             <a:fld id="{B4F30F48-4E14-48AE-9734-2E2BE8ECACDB}" type="datetimeFigureOut">
               <a:rPr kumimoji="1" lang="ja-JP" altLang="en-US" smtClean="0"/>
               <a:pPr/>
-              <a:t>2015/2/6</a:t>
+              <a:t>2015/2/10</a:t>
             </a:fld>
             <a:endParaRPr kumimoji="1" lang="ja-JP" altLang="en-US"/>
           </a:p>
@@ -679,7 +679,7 @@
             <a:fld id="{E90ED720-0104-4369-84BC-D37694168613}" type="datetimeFigureOut">
               <a:rPr kumimoji="1" lang="ja-JP" altLang="en-US" smtClean="0"/>
               <a:pPr/>
-              <a:t>2015/2/6</a:t>
+              <a:t>2015/2/10</a:t>
             </a:fld>
             <a:endParaRPr kumimoji="1" lang="ja-JP" altLang="en-US"/>
           </a:p>
@@ -878,7 +878,7 @@
             <a:fld id="{E90ED720-0104-4369-84BC-D37694168613}" type="datetimeFigureOut">
               <a:rPr kumimoji="1" lang="ja-JP" altLang="en-US" smtClean="0"/>
               <a:pPr/>
-              <a:t>2015/2/6</a:t>
+              <a:t>2015/2/10</a:t>
             </a:fld>
             <a:endParaRPr kumimoji="1" lang="ja-JP" altLang="en-US"/>
           </a:p>
@@ -1087,7 +1087,7 @@
             <a:fld id="{E90ED720-0104-4369-84BC-D37694168613}" type="datetimeFigureOut">
               <a:rPr kumimoji="1" lang="ja-JP" altLang="en-US" smtClean="0"/>
               <a:pPr/>
-              <a:t>2015/2/6</a:t>
+              <a:t>2015/2/10</a:t>
             </a:fld>
             <a:endParaRPr kumimoji="1" lang="ja-JP" altLang="en-US"/>
           </a:p>
@@ -1286,7 +1286,7 @@
             <a:fld id="{E90ED720-0104-4369-84BC-D37694168613}" type="datetimeFigureOut">
               <a:rPr kumimoji="1" lang="ja-JP" altLang="en-US" smtClean="0"/>
               <a:pPr/>
-              <a:t>2015/2/6</a:t>
+              <a:t>2015/2/10</a:t>
             </a:fld>
             <a:endParaRPr kumimoji="1" lang="ja-JP" altLang="en-US"/>
           </a:p>
@@ -1529,7 +1529,7 @@
             <a:fld id="{E90ED720-0104-4369-84BC-D37694168613}" type="datetimeFigureOut">
               <a:rPr kumimoji="1" lang="ja-JP" altLang="en-US" smtClean="0"/>
               <a:pPr/>
-              <a:t>2015/2/6</a:t>
+              <a:t>2015/2/10</a:t>
             </a:fld>
             <a:endParaRPr kumimoji="1" lang="ja-JP" altLang="en-US"/>
           </a:p>
@@ -1878,7 +1878,7 @@
             <a:fld id="{E90ED720-0104-4369-84BC-D37694168613}" type="datetimeFigureOut">
               <a:rPr kumimoji="1" lang="ja-JP" altLang="en-US" smtClean="0"/>
               <a:pPr/>
-              <a:t>2015/2/6</a:t>
+              <a:t>2015/2/10</a:t>
             </a:fld>
             <a:endParaRPr kumimoji="1" lang="ja-JP" altLang="en-US"/>
           </a:p>
@@ -2361,7 +2361,7 @@
             <a:fld id="{E90ED720-0104-4369-84BC-D37694168613}" type="datetimeFigureOut">
               <a:rPr kumimoji="1" lang="ja-JP" altLang="en-US" smtClean="0"/>
               <a:pPr/>
-              <a:t>2015/2/6</a:t>
+              <a:t>2015/2/10</a:t>
             </a:fld>
             <a:endParaRPr kumimoji="1" lang="ja-JP" altLang="en-US"/>
           </a:p>
@@ -2476,7 +2476,7 @@
             <a:fld id="{E90ED720-0104-4369-84BC-D37694168613}" type="datetimeFigureOut">
               <a:rPr kumimoji="1" lang="ja-JP" altLang="en-US" smtClean="0"/>
               <a:pPr/>
-              <a:t>2015/2/6</a:t>
+              <a:t>2015/2/10</a:t>
             </a:fld>
             <a:endParaRPr kumimoji="1" lang="ja-JP" altLang="en-US"/>
           </a:p>
@@ -2568,7 +2568,7 @@
             <a:fld id="{E90ED720-0104-4369-84BC-D37694168613}" type="datetimeFigureOut">
               <a:rPr kumimoji="1" lang="ja-JP" altLang="en-US" smtClean="0"/>
               <a:pPr/>
-              <a:t>2015/2/6</a:t>
+              <a:t>2015/2/10</a:t>
             </a:fld>
             <a:endParaRPr kumimoji="1" lang="ja-JP" altLang="en-US"/>
           </a:p>
@@ -2874,7 +2874,7 @@
             <a:fld id="{E90ED720-0104-4369-84BC-D37694168613}" type="datetimeFigureOut">
               <a:rPr kumimoji="1" lang="ja-JP" altLang="en-US" smtClean="0"/>
               <a:pPr/>
-              <a:t>2015/2/6</a:t>
+              <a:t>2015/2/10</a:t>
             </a:fld>
             <a:endParaRPr kumimoji="1" lang="ja-JP" altLang="en-US"/>
           </a:p>
@@ -3124,7 +3124,7 @@
             <a:fld id="{E90ED720-0104-4369-84BC-D37694168613}" type="datetimeFigureOut">
               <a:rPr kumimoji="1" lang="ja-JP" altLang="en-US" smtClean="0"/>
               <a:pPr/>
-              <a:t>2015/2/6</a:t>
+              <a:t>2015/2/10</a:t>
             </a:fld>
             <a:endParaRPr kumimoji="1" lang="ja-JP" altLang="en-US"/>
           </a:p>
@@ -3366,7 +3366,7 @@
             <a:fld id="{E90ED720-0104-4369-84BC-D37694168613}" type="datetimeFigureOut">
               <a:rPr kumimoji="1" lang="ja-JP" altLang="en-US" smtClean="0"/>
               <a:pPr/>
-              <a:t>2015/2/6</a:t>
+              <a:t>2015/2/10</a:t>
             </a:fld>
             <a:endParaRPr kumimoji="1" lang="ja-JP" altLang="en-US"/>
           </a:p>
@@ -3793,7 +3793,7 @@
       </p:pic>
       <p:pic>
         <p:nvPicPr>
-          <p:cNvPr id="1032" name="Picture 8"/>
+          <p:cNvPr id="1036" name="Picture 12"/>
           <p:cNvPicPr>
             <a:picLocks noChangeAspect="1" noChangeArrowheads="1"/>
           </p:cNvPicPr>
@@ -3814,8 +3814,8 @@
         </p:blipFill>
         <p:spPr bwMode="auto">
           <a:xfrm>
-            <a:off x="323849" y="920115"/>
-            <a:ext cx="8543925" cy="3562350"/>
+            <a:off x="5426393" y="4714875"/>
+            <a:ext cx="3133725" cy="952500"/>
           </a:xfrm>
           <a:prstGeom prst="rect">
             <a:avLst/>
@@ -3847,7 +3847,7 @@
       </p:pic>
       <p:pic>
         <p:nvPicPr>
-          <p:cNvPr id="1036" name="Picture 12"/>
+          <p:cNvPr id="2051" name="Picture 3"/>
           <p:cNvPicPr>
             <a:picLocks noChangeAspect="1" noChangeArrowheads="1"/>
           </p:cNvPicPr>
@@ -3868,8 +3868,8 @@
         </p:blipFill>
         <p:spPr bwMode="auto">
           <a:xfrm>
-            <a:off x="5426393" y="4714875"/>
-            <a:ext cx="3133725" cy="952500"/>
+            <a:off x="262800" y="781200"/>
+            <a:ext cx="8582025" cy="3790950"/>
           </a:xfrm>
           <a:prstGeom prst="rect">
             <a:avLst/>
@@ -3931,7 +3931,7 @@
       </p:grpSpPr>
       <p:pic>
         <p:nvPicPr>
-          <p:cNvPr id="2053" name="Picture 5"/>
+          <p:cNvPr id="1026" name="Picture 2"/>
           <p:cNvPicPr>
             <a:picLocks noChangeAspect="1" noChangeArrowheads="1"/>
           </p:cNvPicPr>
@@ -3952,8 +3952,8 @@
         </p:blipFill>
         <p:spPr bwMode="auto">
           <a:xfrm>
-            <a:off x="295275" y="1057275"/>
-            <a:ext cx="8553450" cy="4743450"/>
+            <a:off x="261938" y="1239838"/>
+            <a:ext cx="8543925" cy="4600575"/>
           </a:xfrm>
           <a:prstGeom prst="rect">
             <a:avLst/>
@@ -3966,14 +3966,14 @@
             <a:ext uri="{909E8E84-426E-40DD-AFC4-6F175D3DCCD1}">
               <a14:hiddenFill xmlns:a14="http://schemas.microsoft.com/office/drawing/2010/main">
                 <a:solidFill>
-                  <a:schemeClr val="accent1"/>
+                  <a:srgbClr val="FFFFFF"/>
                 </a:solidFill>
               </a14:hiddenFill>
             </a:ext>
             <a:ext uri="{91240B29-F687-4F45-9708-019B960494DF}">
               <a14:hiddenLine xmlns:a14="http://schemas.microsoft.com/office/drawing/2010/main" w="9525">
                 <a:solidFill>
-                  <a:schemeClr val="tx1"/>
+                  <a:srgbClr val="000000"/>
                 </a:solidFill>
                 <a:miter lim="800000"/>
                 <a:headEnd/>
